--- a/UX Best Practices.pptx
+++ b/UX Best Practices.pptx
@@ -7,19 +7,23 @@
   <p:sldIdLst>
     <p:sldId id="256" r:id="rId3"/>
     <p:sldId id="259" r:id="rId4"/>
-    <p:sldId id="264" r:id="rId5"/>
-    <p:sldId id="265" r:id="rId6"/>
-    <p:sldId id="266" r:id="rId7"/>
-    <p:sldId id="267" r:id="rId8"/>
-    <p:sldId id="268" r:id="rId9"/>
-    <p:sldId id="269" r:id="rId10"/>
-    <p:sldId id="271" r:id="rId11"/>
-    <p:sldId id="270" r:id="rId12"/>
-    <p:sldId id="273" r:id="rId13"/>
-    <p:sldId id="274" r:id="rId14"/>
-    <p:sldId id="275" r:id="rId15"/>
-    <p:sldId id="276" r:id="rId16"/>
-    <p:sldId id="277" r:id="rId17"/>
+    <p:sldId id="279" r:id="rId5"/>
+    <p:sldId id="280" r:id="rId6"/>
+    <p:sldId id="281" r:id="rId7"/>
+    <p:sldId id="264" r:id="rId8"/>
+    <p:sldId id="265" r:id="rId9"/>
+    <p:sldId id="266" r:id="rId10"/>
+    <p:sldId id="267" r:id="rId11"/>
+    <p:sldId id="268" r:id="rId12"/>
+    <p:sldId id="269" r:id="rId13"/>
+    <p:sldId id="271" r:id="rId14"/>
+    <p:sldId id="270" r:id="rId15"/>
+    <p:sldId id="273" r:id="rId16"/>
+    <p:sldId id="274" r:id="rId17"/>
+    <p:sldId id="275" r:id="rId18"/>
+    <p:sldId id="276" r:id="rId19"/>
+    <p:sldId id="277" r:id="rId20"/>
+    <p:sldId id="278" r:id="rId21"/>
   </p:sldIdLst>
   <p:sldSz cx="12192000" cy="6858000"/>
   <p:notesSz cx="6858000" cy="9144000"/>
@@ -3010,7 +3014,7 @@
                   <a:srgbClr val="00B050"/>
                 </a:solidFill>
               </a:rPr>
-              <a:t>9. Kiosk mode to enhance data security </a:t>
+              <a:t>9. Back button instead of browser “Back” to enhance data security</a:t>
             </a:r>
             <a:endParaRPr lang="en-GB" altLang="en-US" sz="2800" b="1">
               <a:solidFill>
@@ -3044,7 +3048,39 @@
             </a:pPr>
             <a:r>
               <a:rPr lang="en-GB" altLang="en-US"/>
-              <a:t>Enabling an application to be rendered in Kiosk mode enhances data security.</a:t>
+              <a:t>A back button on the screen enables users to navigate back to previous page without losing any of the session data.</a:t>
+            </a:r>
+            <a:endParaRPr lang="en-GB" altLang="en-US"/>
+          </a:p>
+          <a:p>
+            <a:pPr marL="0" indent="0">
+              <a:buNone/>
+            </a:pPr>
+            <a:endParaRPr lang="en-GB" altLang="en-US"/>
+          </a:p>
+          <a:p>
+            <a:pPr marL="0" indent="0">
+              <a:buNone/>
+            </a:pPr>
+            <a:r>
+              <a:rPr lang="en-GB" altLang="en-US"/>
+              <a:t>Enables better data security than using the “Back” functionality of the browser which poses data hack threats.</a:t>
+            </a:r>
+            <a:endParaRPr lang="en-GB" altLang="en-US"/>
+          </a:p>
+          <a:p>
+            <a:pPr marL="0" indent="0">
+              <a:buNone/>
+            </a:pPr>
+            <a:endParaRPr lang="en-GB" altLang="en-US"/>
+          </a:p>
+          <a:p>
+            <a:pPr marL="0" indent="0">
+              <a:buNone/>
+            </a:pPr>
+            <a:r>
+              <a:rPr lang="en-GB" altLang="en-US"/>
+              <a:t>Enables better screen navigation and a better customer journey.</a:t>
             </a:r>
             <a:endParaRPr lang="en-GB" altLang="en-US"/>
           </a:p>
@@ -3085,9 +3121,7 @@
           </a:xfrm>
         </p:spPr>
         <p:txBody>
-          <a:bodyPr>
-            <a:normAutofit/>
-          </a:bodyPr>
+          <a:bodyPr/>
           <a:p>
             <a:r>
               <a:rPr lang="en-GB" altLang="en-US" sz="2800" b="1">
@@ -3095,7 +3129,7 @@
                   <a:srgbClr val="00B050"/>
                 </a:solidFill>
               </a:rPr>
-              <a:t>10. User friendly messages when a screen fails / falls over</a:t>
+              <a:t>10. Mandatory fields highlighted with asterik (*)</a:t>
             </a:r>
             <a:endParaRPr lang="en-GB" altLang="en-US" sz="2800" b="1">
               <a:solidFill>
@@ -3129,7 +3163,7 @@
             </a:pPr>
             <a:r>
               <a:rPr lang="en-GB" altLang="en-US"/>
-              <a:t>Displaying user friendly messages on screen when a page fails or falls over helps user know what to do next.</a:t>
+              <a:t>Highlighting mandatory fields of a screen helps user to complete the form fields right the first time.</a:t>
             </a:r>
             <a:endParaRPr lang="en-GB" altLang="en-US"/>
           </a:p>
@@ -3182,7 +3216,9 @@
           </a:xfrm>
         </p:spPr>
         <p:txBody>
-          <a:bodyPr/>
+          <a:bodyPr>
+            <a:normAutofit/>
+          </a:bodyPr>
           <a:p>
             <a:r>
               <a:rPr lang="en-GB" altLang="en-US" sz="2800" b="1">
@@ -3190,7 +3226,7 @@
                   <a:srgbClr val="00B050"/>
                 </a:solidFill>
               </a:rPr>
-              <a:t>11. Enable sorting of search results for better usability</a:t>
+              <a:t>11. Consistentency across applications &amp; organization</a:t>
             </a:r>
             <a:endParaRPr lang="en-GB" altLang="en-US" sz="2800" b="1">
               <a:solidFill>
@@ -3224,7 +3260,7 @@
             </a:pPr>
             <a:r>
               <a:rPr lang="en-GB" altLang="en-US"/>
-              <a:t>A sort mechanism helps user locate a specific record of all the search results returned.</a:t>
+              <a:t>Consistency of user experience design across all the pages of an application ensures a steady and consistent look and feel.</a:t>
             </a:r>
             <a:endParaRPr lang="en-GB" altLang="en-US"/>
           </a:p>
@@ -3240,7 +3276,7 @@
             </a:pPr>
             <a:r>
               <a:rPr lang="en-GB" altLang="en-US"/>
-              <a:t>This makes the search functionality a lot more usable helping the users achieve what they are looking for.</a:t>
+              <a:t>Consistency in look and feel across various applications helps build a brand for the organization.</a:t>
             </a:r>
             <a:endParaRPr lang="en-GB" altLang="en-US"/>
           </a:p>
@@ -3289,7 +3325,7 @@
                   <a:srgbClr val="00B050"/>
                 </a:solidFill>
               </a:rPr>
-              <a:t>12. Page timeout set so the page doesn't keep loading indefinitely </a:t>
+              <a:t>12. Kiosk mode to enhance data security </a:t>
             </a:r>
             <a:endParaRPr lang="en-GB" altLang="en-US" sz="2800" b="1">
               <a:solidFill>
@@ -3323,23 +3359,7 @@
             </a:pPr>
             <a:r>
               <a:rPr lang="en-GB" altLang="en-US"/>
-              <a:t>Setting a page time out helps the page to fail or fall over with an user friendly message when the page had timed out.</a:t>
-            </a:r>
-            <a:endParaRPr lang="en-GB" altLang="en-US"/>
-          </a:p>
-          <a:p>
-            <a:pPr marL="0" indent="0">
-              <a:buNone/>
-            </a:pPr>
-            <a:endParaRPr lang="en-GB" altLang="en-US"/>
-          </a:p>
-          <a:p>
-            <a:pPr marL="0" indent="0">
-              <a:buNone/>
-            </a:pPr>
-            <a:r>
-              <a:rPr lang="en-GB" altLang="en-US"/>
-              <a:t>Page time out set as well means the page doesn't keep loading indefinitely leaving the users NOT know what to do next.</a:t>
+              <a:t>Enabling an application to be rendered in Kiosk mode enhances data security.</a:t>
             </a:r>
             <a:endParaRPr lang="en-GB" altLang="en-US"/>
           </a:p>
@@ -3380,7 +3400,9 @@
           </a:xfrm>
         </p:spPr>
         <p:txBody>
-          <a:bodyPr/>
+          <a:bodyPr>
+            <a:normAutofit/>
+          </a:bodyPr>
           <a:p>
             <a:r>
               <a:rPr lang="en-GB" altLang="en-US" sz="2800" b="1">
@@ -3388,7 +3410,7 @@
                   <a:srgbClr val="00B050"/>
                 </a:solidFill>
               </a:rPr>
-              <a:t>13. Compatibility across latest browsers</a:t>
+              <a:t>13. User friendly messages when a screen fails / falls over</a:t>
             </a:r>
             <a:endParaRPr lang="en-GB" altLang="en-US" sz="2800" b="1">
               <a:solidFill>
@@ -3422,8 +3444,20 @@
             </a:pPr>
             <a:r>
               <a:rPr lang="en-GB" altLang="en-US"/>
-              <a:t>Designing and building solutions that are compatible across all latest browsers enables better usability keeping pace with modern day living.</a:t>
-            </a:r>
+              <a:t>Displaying user friendly messages on screen when a page fails or falls over helps user know what to do next.</a:t>
+            </a:r>
+            <a:endParaRPr lang="en-GB" altLang="en-US"/>
+          </a:p>
+          <a:p>
+            <a:pPr marL="0" indent="0">
+              <a:buNone/>
+            </a:pPr>
+            <a:endParaRPr lang="en-GB" altLang="en-US"/>
+          </a:p>
+          <a:p>
+            <a:pPr marL="0" indent="0">
+              <a:buNone/>
+            </a:pPr>
             <a:endParaRPr lang="en-GB" altLang="en-US"/>
           </a:p>
         </p:txBody>
@@ -3471,7 +3505,7 @@
                   <a:srgbClr val="00B050"/>
                 </a:solidFill>
               </a:rPr>
-              <a:t>14. Compatibility across devices </a:t>
+              <a:t>14. Enable sorting of search results for better usability</a:t>
             </a:r>
             <a:endParaRPr lang="en-GB" altLang="en-US" sz="2800" b="1">
               <a:solidFill>
@@ -3505,7 +3539,371 @@
             </a:pPr>
             <a:r>
               <a:rPr lang="en-GB" altLang="en-US"/>
+              <a:t>A sort mechanism helps user locate a specific record of all the search results returned.</a:t>
+            </a:r>
+            <a:endParaRPr lang="en-GB" altLang="en-US"/>
+          </a:p>
+          <a:p>
+            <a:pPr marL="0" indent="0">
+              <a:buNone/>
+            </a:pPr>
+            <a:endParaRPr lang="en-GB" altLang="en-US"/>
+          </a:p>
+          <a:p>
+            <a:pPr marL="0" indent="0">
+              <a:buNone/>
+            </a:pPr>
+            <a:r>
+              <a:rPr lang="en-GB" altLang="en-US"/>
+              <a:t>This makes the search functionality a lot more usable helping the users achieve what they are looking for.</a:t>
+            </a:r>
+            <a:endParaRPr lang="en-GB" altLang="en-US"/>
+          </a:p>
+        </p:txBody>
+      </p:sp>
+    </p:spTree>
+  </p:cSld>
+  <p:clrMapOvr>
+    <a:masterClrMapping/>
+  </p:clrMapOvr>
+</p:sld>
+</file>
+
+<file path=ppt/slides/slide16.xml><?xml version="1.0" encoding="utf-8"?>
+<p:sld xmlns:a="http://schemas.openxmlformats.org/drawingml/2006/main" xmlns:r="http://schemas.openxmlformats.org/officeDocument/2006/relationships" xmlns:p="http://schemas.openxmlformats.org/presentationml/2006/main">
+  <p:cSld>
+    <p:spTree>
+      <p:nvGrpSpPr>
+        <p:cNvPr id="1" name=""/>
+        <p:cNvGrpSpPr/>
+        <p:nvPr/>
+      </p:nvGrpSpPr>
+      <p:grpSpPr/>
+      <p:sp>
+        <p:nvSpPr>
+          <p:cNvPr id="2" name="Title 1"/>
+          <p:cNvSpPr>
+            <a:spLocks noGrp="1"/>
+          </p:cNvSpPr>
+          <p:nvPr>
+            <p:ph type="title"/>
+          </p:nvPr>
+        </p:nvSpPr>
+        <p:spPr>
+          <a:xfrm>
+            <a:off x="838200" y="249555"/>
+            <a:ext cx="10515600" cy="675640"/>
+          </a:xfrm>
+        </p:spPr>
+        <p:txBody>
+          <a:bodyPr/>
+          <a:p>
+            <a:r>
+              <a:rPr lang="en-GB" altLang="en-US" sz="2800" b="1">
+                <a:solidFill>
+                  <a:srgbClr val="00B050"/>
+                </a:solidFill>
+              </a:rPr>
+              <a:t>15. Page timeout set so the page doesn't keep loading indefinitely </a:t>
+            </a:r>
+            <a:endParaRPr lang="en-GB" altLang="en-US" sz="2800" b="1">
+              <a:solidFill>
+                <a:srgbClr val="00B050"/>
+              </a:solidFill>
+            </a:endParaRPr>
+          </a:p>
+        </p:txBody>
+      </p:sp>
+      <p:sp>
+        <p:nvSpPr>
+          <p:cNvPr id="3" name="Content Placeholder 2"/>
+          <p:cNvSpPr/>
+          <p:nvPr>
+            <p:ph idx="1"/>
+          </p:nvPr>
+        </p:nvSpPr>
+        <p:spPr>
+          <a:xfrm>
+            <a:off x="868045" y="972185"/>
+            <a:ext cx="10515600" cy="5086985"/>
+          </a:xfrm>
+        </p:spPr>
+        <p:txBody>
+          <a:bodyPr>
+            <a:normAutofit/>
+          </a:bodyPr>
+          <a:p>
+            <a:pPr marL="0" indent="0">
+              <a:buNone/>
+            </a:pPr>
+            <a:r>
+              <a:rPr lang="en-GB" altLang="en-US"/>
+              <a:t>Setting a page time out helps the page to fail or fall over with an user friendly message when the page had timed out.</a:t>
+            </a:r>
+            <a:endParaRPr lang="en-GB" altLang="en-US"/>
+          </a:p>
+          <a:p>
+            <a:pPr marL="0" indent="0">
+              <a:buNone/>
+            </a:pPr>
+            <a:endParaRPr lang="en-GB" altLang="en-US"/>
+          </a:p>
+          <a:p>
+            <a:pPr marL="0" indent="0">
+              <a:buNone/>
+            </a:pPr>
+            <a:r>
+              <a:rPr lang="en-GB" altLang="en-US"/>
+              <a:t>Page time out set as well means the page doesn't keep loading indefinitely leaving the users NOT know what to do next.</a:t>
+            </a:r>
+            <a:endParaRPr lang="en-GB" altLang="en-US"/>
+          </a:p>
+        </p:txBody>
+      </p:sp>
+    </p:spTree>
+  </p:cSld>
+  <p:clrMapOvr>
+    <a:masterClrMapping/>
+  </p:clrMapOvr>
+</p:sld>
+</file>
+
+<file path=ppt/slides/slide17.xml><?xml version="1.0" encoding="utf-8"?>
+<p:sld xmlns:a="http://schemas.openxmlformats.org/drawingml/2006/main" xmlns:r="http://schemas.openxmlformats.org/officeDocument/2006/relationships" xmlns:p="http://schemas.openxmlformats.org/presentationml/2006/main">
+  <p:cSld>
+    <p:spTree>
+      <p:nvGrpSpPr>
+        <p:cNvPr id="1" name=""/>
+        <p:cNvGrpSpPr/>
+        <p:nvPr/>
+      </p:nvGrpSpPr>
+      <p:grpSpPr/>
+      <p:sp>
+        <p:nvSpPr>
+          <p:cNvPr id="2" name="Title 1"/>
+          <p:cNvSpPr>
+            <a:spLocks noGrp="1"/>
+          </p:cNvSpPr>
+          <p:nvPr>
+            <p:ph type="title"/>
+          </p:nvPr>
+        </p:nvSpPr>
+        <p:spPr>
+          <a:xfrm>
+            <a:off x="838200" y="249555"/>
+            <a:ext cx="10515600" cy="675640"/>
+          </a:xfrm>
+        </p:spPr>
+        <p:txBody>
+          <a:bodyPr/>
+          <a:p>
+            <a:r>
+              <a:rPr lang="en-GB" altLang="en-US" sz="2800" b="1">
+                <a:solidFill>
+                  <a:srgbClr val="00B050"/>
+                </a:solidFill>
+              </a:rPr>
+              <a:t>16. Compatibility across latest browsers</a:t>
+            </a:r>
+            <a:endParaRPr lang="en-GB" altLang="en-US" sz="2800" b="1">
+              <a:solidFill>
+                <a:srgbClr val="00B050"/>
+              </a:solidFill>
+            </a:endParaRPr>
+          </a:p>
+        </p:txBody>
+      </p:sp>
+      <p:sp>
+        <p:nvSpPr>
+          <p:cNvPr id="3" name="Content Placeholder 2"/>
+          <p:cNvSpPr/>
+          <p:nvPr>
+            <p:ph idx="1"/>
+          </p:nvPr>
+        </p:nvSpPr>
+        <p:spPr>
+          <a:xfrm>
+            <a:off x="868045" y="972185"/>
+            <a:ext cx="10515600" cy="5086985"/>
+          </a:xfrm>
+        </p:spPr>
+        <p:txBody>
+          <a:bodyPr>
+            <a:normAutofit/>
+          </a:bodyPr>
+          <a:p>
+            <a:pPr marL="0" indent="0">
+              <a:buNone/>
+            </a:pPr>
+            <a:r>
+              <a:rPr lang="en-GB" altLang="en-US"/>
+              <a:t>Designing and building solutions that are compatible across all latest browsers enables better usability keeping pace with modern day living.</a:t>
+            </a:r>
+            <a:endParaRPr lang="en-GB" altLang="en-US"/>
+          </a:p>
+        </p:txBody>
+      </p:sp>
+    </p:spTree>
+  </p:cSld>
+  <p:clrMapOvr>
+    <a:masterClrMapping/>
+  </p:clrMapOvr>
+</p:sld>
+</file>
+
+<file path=ppt/slides/slide18.xml><?xml version="1.0" encoding="utf-8"?>
+<p:sld xmlns:a="http://schemas.openxmlformats.org/drawingml/2006/main" xmlns:r="http://schemas.openxmlformats.org/officeDocument/2006/relationships" xmlns:p="http://schemas.openxmlformats.org/presentationml/2006/main">
+  <p:cSld>
+    <p:spTree>
+      <p:nvGrpSpPr>
+        <p:cNvPr id="1" name=""/>
+        <p:cNvGrpSpPr/>
+        <p:nvPr/>
+      </p:nvGrpSpPr>
+      <p:grpSpPr/>
+      <p:sp>
+        <p:nvSpPr>
+          <p:cNvPr id="2" name="Title 1"/>
+          <p:cNvSpPr>
+            <a:spLocks noGrp="1"/>
+          </p:cNvSpPr>
+          <p:nvPr>
+            <p:ph type="title"/>
+          </p:nvPr>
+        </p:nvSpPr>
+        <p:spPr>
+          <a:xfrm>
+            <a:off x="838200" y="249555"/>
+            <a:ext cx="10515600" cy="675640"/>
+          </a:xfrm>
+        </p:spPr>
+        <p:txBody>
+          <a:bodyPr/>
+          <a:p>
+            <a:r>
+              <a:rPr lang="en-GB" altLang="en-US" sz="2800" b="1">
+                <a:solidFill>
+                  <a:srgbClr val="00B050"/>
+                </a:solidFill>
+              </a:rPr>
+              <a:t>17. Compatibility across devices </a:t>
+            </a:r>
+            <a:endParaRPr lang="en-GB" altLang="en-US" sz="2800" b="1">
+              <a:solidFill>
+                <a:srgbClr val="00B050"/>
+              </a:solidFill>
+            </a:endParaRPr>
+          </a:p>
+        </p:txBody>
+      </p:sp>
+      <p:sp>
+        <p:nvSpPr>
+          <p:cNvPr id="3" name="Content Placeholder 2"/>
+          <p:cNvSpPr/>
+          <p:nvPr>
+            <p:ph idx="1"/>
+          </p:nvPr>
+        </p:nvSpPr>
+        <p:spPr>
+          <a:xfrm>
+            <a:off x="868045" y="972185"/>
+            <a:ext cx="10515600" cy="5086985"/>
+          </a:xfrm>
+        </p:spPr>
+        <p:txBody>
+          <a:bodyPr>
+            <a:normAutofit/>
+          </a:bodyPr>
+          <a:p>
+            <a:pPr marL="0" indent="0">
+              <a:buNone/>
+            </a:pPr>
+            <a:r>
+              <a:rPr lang="en-GB" altLang="en-US"/>
               <a:t>Designing and building solution that's compatible across devices helps better usability for users keeping pace with the modern day living</a:t>
+            </a:r>
+            <a:endParaRPr lang="en-GB" altLang="en-US"/>
+          </a:p>
+        </p:txBody>
+      </p:sp>
+    </p:spTree>
+  </p:cSld>
+  <p:clrMapOvr>
+    <a:masterClrMapping/>
+  </p:clrMapOvr>
+</p:sld>
+</file>
+
+<file path=ppt/slides/slide19.xml><?xml version="1.0" encoding="utf-8"?>
+<p:sld xmlns:a="http://schemas.openxmlformats.org/drawingml/2006/main" xmlns:r="http://schemas.openxmlformats.org/officeDocument/2006/relationships" xmlns:p="http://schemas.openxmlformats.org/presentationml/2006/main">
+  <p:cSld>
+    <p:spTree>
+      <p:nvGrpSpPr>
+        <p:cNvPr id="1" name=""/>
+        <p:cNvGrpSpPr/>
+        <p:nvPr/>
+      </p:nvGrpSpPr>
+      <p:grpSpPr/>
+      <p:sp>
+        <p:nvSpPr>
+          <p:cNvPr id="2" name="Title 1"/>
+          <p:cNvSpPr>
+            <a:spLocks noGrp="1"/>
+          </p:cNvSpPr>
+          <p:nvPr>
+            <p:ph type="title"/>
+          </p:nvPr>
+        </p:nvSpPr>
+        <p:spPr>
+          <a:xfrm>
+            <a:off x="838200" y="249555"/>
+            <a:ext cx="10515600" cy="675640"/>
+          </a:xfrm>
+        </p:spPr>
+        <p:txBody>
+          <a:bodyPr/>
+          <a:p>
+            <a:r>
+              <a:rPr lang="en-GB" altLang="en-US" sz="2800" b="1">
+                <a:solidFill>
+                  <a:srgbClr val="00B050"/>
+                </a:solidFill>
+              </a:rPr>
+              <a:t>18. Accessibility</a:t>
+            </a:r>
+            <a:endParaRPr lang="en-GB" altLang="en-US" sz="2800" b="1">
+              <a:solidFill>
+                <a:srgbClr val="00B050"/>
+              </a:solidFill>
+            </a:endParaRPr>
+          </a:p>
+        </p:txBody>
+      </p:sp>
+      <p:sp>
+        <p:nvSpPr>
+          <p:cNvPr id="3" name="Content Placeholder 2"/>
+          <p:cNvSpPr/>
+          <p:nvPr>
+            <p:ph idx="1"/>
+          </p:nvPr>
+        </p:nvSpPr>
+        <p:spPr>
+          <a:xfrm>
+            <a:off x="868045" y="972185"/>
+            <a:ext cx="10515600" cy="5086985"/>
+          </a:xfrm>
+        </p:spPr>
+        <p:txBody>
+          <a:bodyPr>
+            <a:normAutofit/>
+          </a:bodyPr>
+          <a:p>
+            <a:pPr marL="0" indent="0">
+              <a:buNone/>
+            </a:pPr>
+            <a:r>
+              <a:rPr lang="en-GB" altLang="en-US"/>
+              <a:t>Ensuring the user experience design takes care of users with disabilities which includes dyslexic.</a:t>
             </a:r>
             <a:endParaRPr lang="en-GB" altLang="en-US"/>
           </a:p>
@@ -3659,7 +4057,7 @@
                   <a:srgbClr val="00B050"/>
                 </a:solidFill>
               </a:rPr>
-              <a:t>2. Field validations on tab out instead of button click</a:t>
+              <a:t>2. Tabs on the top navigation Vs Links on left hand navigation pane</a:t>
             </a:r>
             <a:endParaRPr lang="en-GB" altLang="en-US" sz="2800" b="1">
               <a:solidFill>
@@ -3692,26 +4090,10 @@
               <a:buNone/>
             </a:pPr>
             <a:r>
-              <a:rPr lang="en-GB" altLang="en-US"/>
-              <a:t>Inform users of any field level errors immediately after tabbing out of a field instead of having to complete all the fields and click a button.</a:t>
-            </a:r>
-            <a:endParaRPr lang="en-GB" altLang="en-US"/>
-          </a:p>
-          <a:p>
-            <a:pPr marL="0" indent="0">
-              <a:buNone/>
-            </a:pPr>
-            <a:endParaRPr lang="en-GB" altLang="en-US"/>
-          </a:p>
-          <a:p>
-            <a:pPr marL="0" indent="0">
-              <a:buNone/>
-            </a:pPr>
-            <a:r>
-              <a:rPr lang="en-GB" altLang="en-US"/>
-              <a:t>Field errors highlighted immediately on tabbing out helps save users time and enables a better user journey.</a:t>
-            </a:r>
-            <a:endParaRPr lang="en-GB" altLang="en-US"/>
+              <a:rPr lang="en-GB" altLang="en-US" sz="2400"/>
+              <a:t>Designing the user experience that is suitable for purpose as to whether tabs on the top of the page would suit best or links on the left hand navigation pane.</a:t>
+            </a:r>
+            <a:endParaRPr lang="en-GB" altLang="en-US" sz="2400"/>
           </a:p>
         </p:txBody>
       </p:sp>
@@ -3758,7 +4140,7 @@
                   <a:srgbClr val="00B050"/>
                 </a:solidFill>
               </a:rPr>
-              <a:t>3. Dynamic display of page based on field inputs</a:t>
+              <a:t>3. Whizard Check-outs instead of one lengthy page</a:t>
             </a:r>
             <a:endParaRPr lang="en-GB" altLang="en-US" sz="2800" b="1">
               <a:solidFill>
@@ -3791,26 +4173,38 @@
               <a:buNone/>
             </a:pPr>
             <a:r>
-              <a:rPr lang="en-GB" altLang="en-US"/>
-              <a:t>AJAX call enabling dynamic display of screen based on a field input makes the user journey a lot simpler and less time consuming.</a:t>
-            </a:r>
-            <a:endParaRPr lang="en-GB" altLang="en-US"/>
-          </a:p>
-          <a:p>
-            <a:pPr marL="0" indent="0">
-              <a:buNone/>
-            </a:pPr>
-            <a:endParaRPr lang="en-GB" altLang="en-US"/>
-          </a:p>
-          <a:p>
-            <a:pPr marL="0" indent="0">
-              <a:buNone/>
-            </a:pPr>
-            <a:r>
-              <a:rPr lang="en-GB" altLang="en-US"/>
-              <a:t>User journey is made simpler by asking the users to enter only relevant information.</a:t>
-            </a:r>
-            <a:endParaRPr lang="en-GB" altLang="en-US"/>
+              <a:rPr lang="en-GB" altLang="en-US" sz="2400">
+                <a:sym typeface="+mn-ea"/>
+              </a:rPr>
+              <a:t>Say the user wants to check out of an e-Commerce / m-Commerce site, </a:t>
+            </a:r>
+            <a:endParaRPr lang="en-GB" altLang="en-US" sz="2400"/>
+          </a:p>
+          <a:p>
+            <a:pPr marL="457200" indent="-457200">
+              <a:buFont typeface="Wingdings" charset="0"/>
+              <a:buChar char="ü"/>
+            </a:pPr>
+            <a:r>
+              <a:rPr lang="en-GB" altLang="en-US" sz="2400">
+                <a:sym typeface="+mn-ea"/>
+              </a:rPr>
+              <a:t>A very lengthy page to complete personal and payment details is cumbersome.</a:t>
+            </a:r>
+            <a:endParaRPr lang="en-GB" altLang="en-US" sz="2400"/>
+          </a:p>
+          <a:p>
+            <a:pPr marL="457200" indent="-457200">
+              <a:buFont typeface="Wingdings" charset="0"/>
+              <a:buChar char="ü"/>
+            </a:pPr>
+            <a:r>
+              <a:rPr lang="en-GB" altLang="en-US" sz="2400">
+                <a:sym typeface="+mn-ea"/>
+              </a:rPr>
+              <a:t>Resolved by a whizard checkout instead of one lengthy page.</a:t>
+            </a:r>
+            <a:endParaRPr lang="en-GB" altLang="en-US" sz="2400"/>
           </a:p>
         </p:txBody>
       </p:sp>
@@ -3857,7 +4251,7 @@
                   <a:srgbClr val="00B050"/>
                 </a:solidFill>
               </a:rPr>
-              <a:t>4. Free form typing to narrow drop down results in a drop down</a:t>
+              <a:t>4. Bread Crumbs on top of the page </a:t>
             </a:r>
             <a:endParaRPr lang="en-GB" altLang="en-US" sz="2800" b="1">
               <a:solidFill>
@@ -3890,38 +4284,62 @@
               <a:buNone/>
             </a:pPr>
             <a:r>
-              <a:rPr lang="en-GB" altLang="en-US"/>
-              <a:t>Enables users to complete the drop down value quicker. </a:t>
-            </a:r>
-            <a:endParaRPr lang="en-GB" altLang="en-US"/>
+              <a:rPr lang="en-GB" altLang="en-US" sz="2400">
+                <a:sym typeface="+mn-ea"/>
+              </a:rPr>
+              <a:t>Bread crumbs on top of the page shows the users navigation path.</a:t>
+            </a:r>
+            <a:endParaRPr lang="en-GB" altLang="en-US" sz="2400">
+              <a:sym typeface="+mn-ea"/>
+            </a:endParaRPr>
           </a:p>
           <a:p>
             <a:pPr marL="0" indent="0">
               <a:buNone/>
             </a:pPr>
-            <a:endParaRPr lang="en-GB" altLang="en-US"/>
+            <a:endParaRPr lang="en-GB" altLang="en-US" sz="2400"/>
           </a:p>
           <a:p>
             <a:pPr marL="0" indent="0">
               <a:buNone/>
             </a:pPr>
             <a:r>
-              <a:rPr lang="en-GB" altLang="en-US"/>
-              <a:t>This is especially true if there are tens and hundreds of data to chosen from and complete the drop down. </a:t>
-            </a:r>
-            <a:endParaRPr lang="en-GB" altLang="en-US"/>
+              <a:rPr lang="en-GB" altLang="en-US" sz="2400"/>
+              <a:t>This helps the users from feeling a bit lost while in the middle of a process. The bread crumbs shall point them in the right direction as to which step in the process they are at any point in time.</a:t>
+            </a:r>
+            <a:endParaRPr lang="en-GB" altLang="en-US" sz="2400"/>
           </a:p>
           <a:p>
             <a:pPr marL="0" indent="0">
               <a:buNone/>
             </a:pPr>
-            <a:endParaRPr lang="en-GB" altLang="en-US"/>
+            <a:endParaRPr lang="en-GB" altLang="en-US" sz="2400"/>
           </a:p>
           <a:p>
             <a:pPr marL="0" indent="0">
               <a:buNone/>
             </a:pPr>
-            <a:endParaRPr lang="en-GB" altLang="en-US"/>
+            <a:r>
+              <a:rPr lang="en-GB" altLang="en-US" sz="2400"/>
+              <a:t>Say during customer search, bread crumbs could be along the lines of:</a:t>
+            </a:r>
+            <a:endParaRPr lang="en-GB" altLang="en-US" sz="2400"/>
+          </a:p>
+          <a:p>
+            <a:pPr marL="0" indent="0">
+              <a:buNone/>
+            </a:pPr>
+            <a:endParaRPr lang="en-GB" altLang="en-US" sz="2400"/>
+          </a:p>
+          <a:p>
+            <a:pPr marL="0" indent="0">
+              <a:buNone/>
+            </a:pPr>
+            <a:r>
+              <a:rPr lang="en-GB" altLang="en-US" sz="2400"/>
+              <a:t>Customer Search -&gt; Search Results -&gt; View customer details</a:t>
+            </a:r>
+            <a:endParaRPr lang="en-GB" altLang="en-US" sz="2400"/>
           </a:p>
         </p:txBody>
       </p:sp>
@@ -3960,9 +4378,7 @@
           </a:xfrm>
         </p:spPr>
         <p:txBody>
-          <a:bodyPr>
-            <a:normAutofit fontScale="90000"/>
-          </a:bodyPr>
+          <a:bodyPr/>
           <a:p>
             <a:r>
               <a:rPr lang="en-GB" altLang="en-US" sz="2800" b="1">
@@ -3970,7 +4386,7 @@
                   <a:srgbClr val="00B050"/>
                 </a:solidFill>
               </a:rPr>
-              <a:t>5. Clear button to clear screen fields instead of manually clearing each field</a:t>
+              <a:t>5. Field validations on tab out instead of button click</a:t>
             </a:r>
             <a:endParaRPr lang="en-GB" altLang="en-US" sz="2800" b="1">
               <a:solidFill>
@@ -4003,32 +4419,24 @@
               <a:buNone/>
             </a:pPr>
             <a:r>
-              <a:rPr lang="en-GB" altLang="en-US">
-                <a:sym typeface="+mn-ea"/>
-              </a:rPr>
-              <a:t>A clear button on the screen comes handy to clear all the fields entered on the screen in one go.</a:t>
-            </a:r>
-            <a:endParaRPr lang="en-GB" altLang="en-US">
-              <a:sym typeface="+mn-ea"/>
-            </a:endParaRPr>
+              <a:rPr lang="en-GB" altLang="en-US"/>
+              <a:t>Inform users of any field level errors immediately after tabbing out of a field instead of having to complete all the fields and click a button.</a:t>
+            </a:r>
+            <a:endParaRPr lang="en-GB" altLang="en-US"/>
           </a:p>
           <a:p>
             <a:pPr marL="0" indent="0">
               <a:buNone/>
             </a:pPr>
-            <a:endParaRPr lang="en-GB" altLang="en-US">
-              <a:sym typeface="+mn-ea"/>
-            </a:endParaRPr>
+            <a:endParaRPr lang="en-GB" altLang="en-US"/>
           </a:p>
           <a:p>
             <a:pPr marL="0" indent="0">
               <a:buNone/>
             </a:pPr>
             <a:r>
-              <a:rPr lang="en-GB" altLang="en-US">
-                <a:sym typeface="+mn-ea"/>
-              </a:rPr>
-              <a:t>This eliminates the manual job of clearing each of the field individually.</a:t>
+              <a:rPr lang="en-GB" altLang="en-US"/>
+              <a:t>Field errors highlighted immediately on tabbing out helps save users time and enables a better user journey.</a:t>
             </a:r>
             <a:endParaRPr lang="en-GB" altLang="en-US"/>
           </a:p>
@@ -4077,7 +4485,7 @@
                   <a:srgbClr val="00B050"/>
                 </a:solidFill>
               </a:rPr>
-              <a:t>6. Back button instead of browser “Back” to enhance data security</a:t>
+              <a:t>6. Dynamic display of page based on field inputs</a:t>
             </a:r>
             <a:endParaRPr lang="en-GB" altLang="en-US" sz="2800" b="1">
               <a:solidFill>
@@ -4111,7 +4519,7 @@
             </a:pPr>
             <a:r>
               <a:rPr lang="en-GB" altLang="en-US"/>
-              <a:t>A back button on the screen enables users to navigate back to previous page without losing any of the session data.</a:t>
+              <a:t>AJAX call enabling dynamic display of screen based on a field input makes the user journey a lot simpler and less time consuming.</a:t>
             </a:r>
             <a:endParaRPr lang="en-GB" altLang="en-US"/>
           </a:p>
@@ -4127,23 +4535,7 @@
             </a:pPr>
             <a:r>
               <a:rPr lang="en-GB" altLang="en-US"/>
-              <a:t>Enables better data security than using the “Back” functionality of the browser which poses data hack threats.</a:t>
-            </a:r>
-            <a:endParaRPr lang="en-GB" altLang="en-US"/>
-          </a:p>
-          <a:p>
-            <a:pPr marL="0" indent="0">
-              <a:buNone/>
-            </a:pPr>
-            <a:endParaRPr lang="en-GB" altLang="en-US"/>
-          </a:p>
-          <a:p>
-            <a:pPr marL="0" indent="0">
-              <a:buNone/>
-            </a:pPr>
-            <a:r>
-              <a:rPr lang="en-GB" altLang="en-US"/>
-              <a:t>Enables better screen navigation and a better customer journey.</a:t>
+              <a:t>User journey is made simpler by asking the users to enter only relevant information.</a:t>
             </a:r>
             <a:endParaRPr lang="en-GB" altLang="en-US"/>
           </a:p>
@@ -4192,7 +4584,7 @@
                   <a:srgbClr val="00B050"/>
                 </a:solidFill>
               </a:rPr>
-              <a:t>7. Mandatory fields highlighted with asterik (*)</a:t>
+              <a:t>7. Free form typing to narrow drop down results in a drop down</a:t>
             </a:r>
             <a:endParaRPr lang="en-GB" altLang="en-US" sz="2800" b="1">
               <a:solidFill>
@@ -4226,7 +4618,23 @@
             </a:pPr>
             <a:r>
               <a:rPr lang="en-GB" altLang="en-US"/>
-              <a:t>Highlighting mandatory fields of a screen helps user to complete the form fields right the first time.</a:t>
+              <a:t>Enables users to complete the drop down value quicker. </a:t>
+            </a:r>
+            <a:endParaRPr lang="en-GB" altLang="en-US"/>
+          </a:p>
+          <a:p>
+            <a:pPr marL="0" indent="0">
+              <a:buNone/>
+            </a:pPr>
+            <a:endParaRPr lang="en-GB" altLang="en-US"/>
+          </a:p>
+          <a:p>
+            <a:pPr marL="0" indent="0">
+              <a:buNone/>
+            </a:pPr>
+            <a:r>
+              <a:rPr lang="en-GB" altLang="en-US"/>
+              <a:t>This is especially true if there are tens and hundreds of data to chosen from and complete the drop down. </a:t>
             </a:r>
             <a:endParaRPr lang="en-GB" altLang="en-US"/>
           </a:p>
@@ -4280,7 +4688,7 @@
         </p:spPr>
         <p:txBody>
           <a:bodyPr>
-            <a:normAutofit/>
+            <a:normAutofit fontScale="90000"/>
           </a:bodyPr>
           <a:p>
             <a:r>
@@ -4289,7 +4697,7 @@
                   <a:srgbClr val="00B050"/>
                 </a:solidFill>
               </a:rPr>
-              <a:t>8. Consistentency across applications &amp; organization</a:t>
+              <a:t>8. Clear button to clear screen fields instead of manually clearing each field</a:t>
             </a:r>
             <a:endParaRPr lang="en-GB" altLang="en-US" sz="2800" b="1">
               <a:solidFill>
@@ -4322,24 +4730,32 @@
               <a:buNone/>
             </a:pPr>
             <a:r>
-              <a:rPr lang="en-GB" altLang="en-US"/>
-              <a:t>Consistency of user experience design across all the pages of an application ensures a steady and consistent look and feel.</a:t>
-            </a:r>
-            <a:endParaRPr lang="en-GB" altLang="en-US"/>
+              <a:rPr lang="en-GB" altLang="en-US">
+                <a:sym typeface="+mn-ea"/>
+              </a:rPr>
+              <a:t>A clear button on the screen comes handy to clear all the fields entered on the screen in one go.</a:t>
+            </a:r>
+            <a:endParaRPr lang="en-GB" altLang="en-US">
+              <a:sym typeface="+mn-ea"/>
+            </a:endParaRPr>
           </a:p>
           <a:p>
             <a:pPr marL="0" indent="0">
               <a:buNone/>
             </a:pPr>
-            <a:endParaRPr lang="en-GB" altLang="en-US"/>
+            <a:endParaRPr lang="en-GB" altLang="en-US">
+              <a:sym typeface="+mn-ea"/>
+            </a:endParaRPr>
           </a:p>
           <a:p>
             <a:pPr marL="0" indent="0">
               <a:buNone/>
             </a:pPr>
             <a:r>
-              <a:rPr lang="en-GB" altLang="en-US"/>
-              <a:t>Consistency in look and feel across various applications helps build a brand for the organization.</a:t>
+              <a:rPr lang="en-GB" altLang="en-US">
+                <a:sym typeface="+mn-ea"/>
+              </a:rPr>
+              <a:t>This eliminates the manual job of clearing each of the field individually.</a:t>
             </a:r>
             <a:endParaRPr lang="en-GB" altLang="en-US"/>
           </a:p>
